--- a/Prezentácie/04.Git/4.Git.pptx
+++ b/Prezentácie/04.Git/4.Git.pptx
@@ -237,7 +237,7 @@
           <a:p>
             <a:fld id="{25753CBF-E891-4BE8-A67D-F1F5E80B5F52}" type="datetimeFigureOut">
               <a:rPr lang="sk-SK" smtClean="0"/>
-              <a:t>5. 9. 2021</a:t>
+              <a:t>27. 10. 2021</a:t>
             </a:fld>
             <a:endParaRPr lang="sk-SK"/>
           </a:p>
@@ -722,7 +722,7 @@
           <a:p>
             <a:fld id="{55E7403A-FDE0-42E7-9984-7392B6DC05CA}" type="datetimeFigureOut">
               <a:rPr lang="sk-SK" smtClean="0"/>
-              <a:t>5. 9. 2021</a:t>
+              <a:t>27. 10. 2021</a:t>
             </a:fld>
             <a:endParaRPr lang="sk-SK"/>
           </a:p>
@@ -1009,7 +1009,7 @@
           <a:p>
             <a:fld id="{55E7403A-FDE0-42E7-9984-7392B6DC05CA}" type="datetimeFigureOut">
               <a:rPr lang="sk-SK" smtClean="0"/>
-              <a:t>5. 9. 2021</a:t>
+              <a:t>27. 10. 2021</a:t>
             </a:fld>
             <a:endParaRPr lang="sk-SK"/>
           </a:p>
@@ -1201,7 +1201,7 @@
           <a:p>
             <a:fld id="{55E7403A-FDE0-42E7-9984-7392B6DC05CA}" type="datetimeFigureOut">
               <a:rPr lang="sk-SK" smtClean="0"/>
-              <a:t>5. 9. 2021</a:t>
+              <a:t>27. 10. 2021</a:t>
             </a:fld>
             <a:endParaRPr lang="sk-SK"/>
           </a:p>
@@ -1462,7 +1462,7 @@
           <a:p>
             <a:fld id="{55E7403A-FDE0-42E7-9984-7392B6DC05CA}" type="datetimeFigureOut">
               <a:rPr lang="sk-SK" smtClean="0"/>
-              <a:t>5. 9. 2021</a:t>
+              <a:t>27. 10. 2021</a:t>
             </a:fld>
             <a:endParaRPr lang="sk-SK"/>
           </a:p>
@@ -1886,7 +1886,7 @@
           <a:p>
             <a:fld id="{55E7403A-FDE0-42E7-9984-7392B6DC05CA}" type="datetimeFigureOut">
               <a:rPr lang="sk-SK" smtClean="0"/>
-              <a:t>5. 9. 2021</a:t>
+              <a:t>27. 10. 2021</a:t>
             </a:fld>
             <a:endParaRPr lang="sk-SK"/>
           </a:p>
@@ -2432,7 +2432,7 @@
           <a:p>
             <a:fld id="{55E7403A-FDE0-42E7-9984-7392B6DC05CA}" type="datetimeFigureOut">
               <a:rPr lang="sk-SK" smtClean="0"/>
-              <a:t>5. 9. 2021</a:t>
+              <a:t>27. 10. 2021</a:t>
             </a:fld>
             <a:endParaRPr lang="sk-SK"/>
           </a:p>
@@ -3272,7 +3272,7 @@
           <a:p>
             <a:fld id="{55E7403A-FDE0-42E7-9984-7392B6DC05CA}" type="datetimeFigureOut">
               <a:rPr lang="sk-SK" smtClean="0"/>
-              <a:t>5. 9. 2021</a:t>
+              <a:t>27. 10. 2021</a:t>
             </a:fld>
             <a:endParaRPr lang="sk-SK"/>
           </a:p>
@@ -3442,7 +3442,7 @@
           <a:p>
             <a:fld id="{55E7403A-FDE0-42E7-9984-7392B6DC05CA}" type="datetimeFigureOut">
               <a:rPr lang="sk-SK" smtClean="0"/>
-              <a:t>5. 9. 2021</a:t>
+              <a:t>27. 10. 2021</a:t>
             </a:fld>
             <a:endParaRPr lang="sk-SK"/>
           </a:p>
@@ -3626,7 +3626,7 @@
           <a:p>
             <a:fld id="{55E7403A-FDE0-42E7-9984-7392B6DC05CA}" type="datetimeFigureOut">
               <a:rPr lang="sk-SK" smtClean="0"/>
-              <a:t>5. 9. 2021</a:t>
+              <a:t>27. 10. 2021</a:t>
             </a:fld>
             <a:endParaRPr lang="sk-SK"/>
           </a:p>
@@ -3796,7 +3796,7 @@
           <a:p>
             <a:fld id="{55E7403A-FDE0-42E7-9984-7392B6DC05CA}" type="datetimeFigureOut">
               <a:rPr lang="sk-SK" smtClean="0"/>
-              <a:t>5. 9. 2021</a:t>
+              <a:t>27. 10. 2021</a:t>
             </a:fld>
             <a:endParaRPr lang="sk-SK"/>
           </a:p>
@@ -4044,7 +4044,7 @@
           <a:p>
             <a:fld id="{55E7403A-FDE0-42E7-9984-7392B6DC05CA}" type="datetimeFigureOut">
               <a:rPr lang="sk-SK" smtClean="0"/>
-              <a:t>5. 9. 2021</a:t>
+              <a:t>27. 10. 2021</a:t>
             </a:fld>
             <a:endParaRPr lang="sk-SK"/>
           </a:p>
@@ -4281,7 +4281,7 @@
           <a:p>
             <a:fld id="{55E7403A-FDE0-42E7-9984-7392B6DC05CA}" type="datetimeFigureOut">
               <a:rPr lang="sk-SK" smtClean="0"/>
-              <a:t>5. 9. 2021</a:t>
+              <a:t>27. 10. 2021</a:t>
             </a:fld>
             <a:endParaRPr lang="sk-SK"/>
           </a:p>
@@ -4654,7 +4654,7 @@
           <a:p>
             <a:fld id="{55E7403A-FDE0-42E7-9984-7392B6DC05CA}" type="datetimeFigureOut">
               <a:rPr lang="sk-SK" smtClean="0"/>
-              <a:t>5. 9. 2021</a:t>
+              <a:t>27. 10. 2021</a:t>
             </a:fld>
             <a:endParaRPr lang="sk-SK"/>
           </a:p>
@@ -4772,7 +4772,7 @@
           <a:p>
             <a:fld id="{55E7403A-FDE0-42E7-9984-7392B6DC05CA}" type="datetimeFigureOut">
               <a:rPr lang="sk-SK" smtClean="0"/>
-              <a:t>5. 9. 2021</a:t>
+              <a:t>27. 10. 2021</a:t>
             </a:fld>
             <a:endParaRPr lang="sk-SK"/>
           </a:p>
@@ -4867,7 +4867,7 @@
           <a:p>
             <a:fld id="{55E7403A-FDE0-42E7-9984-7392B6DC05CA}" type="datetimeFigureOut">
               <a:rPr lang="sk-SK" smtClean="0"/>
-              <a:t>5. 9. 2021</a:t>
+              <a:t>27. 10. 2021</a:t>
             </a:fld>
             <a:endParaRPr lang="sk-SK"/>
           </a:p>
@@ -5118,7 +5118,7 @@
           <a:p>
             <a:fld id="{55E7403A-FDE0-42E7-9984-7392B6DC05CA}" type="datetimeFigureOut">
               <a:rPr lang="sk-SK" smtClean="0"/>
-              <a:t>5. 9. 2021</a:t>
+              <a:t>27. 10. 2021</a:t>
             </a:fld>
             <a:endParaRPr lang="sk-SK"/>
           </a:p>
@@ -5405,7 +5405,7 @@
           <a:p>
             <a:fld id="{55E7403A-FDE0-42E7-9984-7392B6DC05CA}" type="datetimeFigureOut">
               <a:rPr lang="sk-SK" smtClean="0"/>
-              <a:t>5. 9. 2021</a:t>
+              <a:t>27. 10. 2021</a:t>
             </a:fld>
             <a:endParaRPr lang="sk-SK"/>
           </a:p>
@@ -5618,7 +5618,7 @@
           <a:p>
             <a:fld id="{55E7403A-FDE0-42E7-9984-7392B6DC05CA}" type="datetimeFigureOut">
               <a:rPr lang="sk-SK" smtClean="0"/>
-              <a:t>5. 9. 2021</a:t>
+              <a:t>27. 10. 2021</a:t>
             </a:fld>
             <a:endParaRPr lang="sk-SK"/>
           </a:p>
@@ -6129,7 +6129,7 @@
                 <a16:creationId xmlns:a16="http://schemas.microsoft.com/office/drawing/2014/main" id="{3EE6EA0B-C562-460F-AF05-4E9EAEAD635D}"/>
               </a:ext>
               <a:ext uri="{C183D7F6-B498-43B3-948B-1728B52AA6E4}">
-                <adec:decorative xmlns:adec="http://schemas.microsoft.com/office/drawing/2017/decorative" val="1"/>
+                <adec:decorative xmlns:adec="http://schemas.microsoft.com/office/drawing/2017/decorative" xmlns="" val="1"/>
               </a:ext>
             </a:extLst>
           </p:cNvPr>
@@ -11342,7 +11342,7 @@
                 <a16:creationId xmlns:a16="http://schemas.microsoft.com/office/drawing/2014/main" id="{3BFBA67F-0D4D-4C2E-A1D7-82D080A4B3AD}"/>
               </a:ext>
               <a:ext uri="{C183D7F6-B498-43B3-948B-1728B52AA6E4}">
-                <adec:decorative xmlns:adec="http://schemas.microsoft.com/office/drawing/2017/decorative" val="1"/>
+                <adec:decorative xmlns:adec="http://schemas.microsoft.com/office/drawing/2017/decorative" xmlns="" val="1"/>
               </a:ext>
             </a:extLst>
           </p:cNvPr>
@@ -11437,7 +11437,7 @@
                 <a16:creationId xmlns:a16="http://schemas.microsoft.com/office/drawing/2014/main" id="{EFA2AC96-1E47-421C-A03F-F98E354EB4E6}"/>
               </a:ext>
               <a:ext uri="{C183D7F6-B498-43B3-948B-1728B52AA6E4}">
-                <adec:decorative xmlns:adec="http://schemas.microsoft.com/office/drawing/2017/decorative" val="1"/>
+                <adec:decorative xmlns:adec="http://schemas.microsoft.com/office/drawing/2017/decorative" xmlns="" val="1"/>
               </a:ext>
             </a:extLst>
           </p:cNvPr>
@@ -11660,7 +11660,7 @@
                 <a16:creationId xmlns:a16="http://schemas.microsoft.com/office/drawing/2014/main" id="{BC052280-388E-4151-A1EB-5236D4FCCA28}"/>
               </a:ext>
               <a:ext uri="{C183D7F6-B498-43B3-948B-1728B52AA6E4}">
-                <adec:decorative xmlns:adec="http://schemas.microsoft.com/office/drawing/2017/decorative" val="1"/>
+                <adec:decorative xmlns:adec="http://schemas.microsoft.com/office/drawing/2017/decorative" xmlns="" val="1"/>
               </a:ext>
             </a:extLst>
           </p:cNvPr>
@@ -11769,7 +11769,7 @@
                 <a16:creationId xmlns:a16="http://schemas.microsoft.com/office/drawing/2014/main" id="{744251C3-E720-4363-8AF0-20AD319374F0}"/>
               </a:ext>
               <a:ext uri="{C183D7F6-B498-43B3-948B-1728B52AA6E4}">
-                <adec:decorative xmlns:adec="http://schemas.microsoft.com/office/drawing/2017/decorative" val="1"/>
+                <adec:decorative xmlns:adec="http://schemas.microsoft.com/office/drawing/2017/decorative" xmlns="" val="1"/>
               </a:ext>
             </a:extLst>
           </p:cNvPr>
@@ -12075,7 +12075,15 @@
             </a:r>
             <a:r>
               <a:rPr lang="sk-SK" sz="1300" dirty="0"/>
-              <a:t>– v súbore boôi urobené zmeny ale ešte neboli zapísané (uložené)</a:t>
+              <a:t>– v súbore </a:t>
+            </a:r>
+            <a:r>
+              <a:rPr lang="sk-SK" sz="1300" dirty="0" smtClean="0"/>
+              <a:t>boli </a:t>
+            </a:r>
+            <a:r>
+              <a:rPr lang="sk-SK" sz="1300" dirty="0"/>
+              <a:t>urobené zmeny ale ešte neboli zapísané (uložené)</a:t>
             </a:r>
           </a:p>
           <a:p>
@@ -12258,7 +12266,7 @@
                 <a16:creationId xmlns:a16="http://schemas.microsoft.com/office/drawing/2014/main" id="{DD9B4711-C36C-466F-B029-BAA9B5CBDB44}"/>
               </a:ext>
               <a:ext uri="{C183D7F6-B498-43B3-948B-1728B52AA6E4}">
-                <adec:decorative xmlns:adec="http://schemas.microsoft.com/office/drawing/2017/decorative" val="1"/>
+                <adec:decorative xmlns:adec="http://schemas.microsoft.com/office/drawing/2017/decorative" xmlns="" val="1"/>
               </a:ext>
             </a:extLst>
           </p:cNvPr>
@@ -12480,7 +12488,7 @@
                 <a16:creationId xmlns:a16="http://schemas.microsoft.com/office/drawing/2014/main" id="{C24F8008-E57F-41F3-A647-6AD26AC62BED}"/>
               </a:ext>
               <a:ext uri="{C183D7F6-B498-43B3-948B-1728B52AA6E4}">
-                <adec:decorative xmlns:adec="http://schemas.microsoft.com/office/drawing/2017/decorative" val="1"/>
+                <adec:decorative xmlns:adec="http://schemas.microsoft.com/office/drawing/2017/decorative" xmlns="" val="1"/>
               </a:ext>
             </a:extLst>
           </p:cNvPr>
@@ -12752,7 +12760,7 @@
                 <a16:creationId xmlns:a16="http://schemas.microsoft.com/office/drawing/2014/main" id="{3BFBA67F-0D4D-4C2E-A1D7-82D080A4B3AD}"/>
               </a:ext>
               <a:ext uri="{C183D7F6-B498-43B3-948B-1728B52AA6E4}">
-                <adec:decorative xmlns:adec="http://schemas.microsoft.com/office/drawing/2017/decorative" val="1"/>
+                <adec:decorative xmlns:adec="http://schemas.microsoft.com/office/drawing/2017/decorative" xmlns="" val="1"/>
               </a:ext>
             </a:extLst>
           </p:cNvPr>
@@ -12848,7 +12856,7 @@
                 <a16:creationId xmlns:a16="http://schemas.microsoft.com/office/drawing/2014/main" id="{EFA2AC96-1E47-421C-A03F-F98E354EB4E6}"/>
               </a:ext>
               <a:ext uri="{C183D7F6-B498-43B3-948B-1728B52AA6E4}">
-                <adec:decorative xmlns:adec="http://schemas.microsoft.com/office/drawing/2017/decorative" val="1"/>
+                <adec:decorative xmlns:adec="http://schemas.microsoft.com/office/drawing/2017/decorative" xmlns="" val="1"/>
               </a:ext>
             </a:extLst>
           </p:cNvPr>
